--- a/3354 class information/Power points/Team 1 PowerPoint - final.pptx
+++ b/3354 class information/Power points/Team 1 PowerPoint - final.pptx
@@ -293,7 +293,7 @@
           <a:p>
             <a:fld id="{FCDC2374-6BDA-4A72-89B3-8AEF50971151}" type="datetimeFigureOut">
               <a:rPr lang="en-US" smtClean="0"/>
-              <a:t>12/4/2017</a:t>
+              <a:t>12/8/2017</a:t>
             </a:fld>
             <a:endParaRPr lang="en-US"/>
           </a:p>
@@ -623,7 +623,7 @@
           <a:p>
             <a:fld id="{FCDC2374-6BDA-4A72-89B3-8AEF50971151}" type="datetimeFigureOut">
               <a:rPr lang="en-US" smtClean="0"/>
-              <a:t>12/4/2017</a:t>
+              <a:t>12/8/2017</a:t>
             </a:fld>
             <a:endParaRPr lang="en-US"/>
           </a:p>
@@ -803,7 +803,7 @@
           <a:p>
             <a:fld id="{FCDC2374-6BDA-4A72-89B3-8AEF50971151}" type="datetimeFigureOut">
               <a:rPr lang="en-US" smtClean="0"/>
-              <a:t>12/4/2017</a:t>
+              <a:t>12/8/2017</a:t>
             </a:fld>
             <a:endParaRPr lang="en-US"/>
           </a:p>
@@ -973,7 +973,7 @@
           <a:p>
             <a:fld id="{FCDC2374-6BDA-4A72-89B3-8AEF50971151}" type="datetimeFigureOut">
               <a:rPr lang="en-US" smtClean="0"/>
-              <a:t>12/4/2017</a:t>
+              <a:t>12/8/2017</a:t>
             </a:fld>
             <a:endParaRPr lang="en-US"/>
           </a:p>
@@ -1250,7 +1250,7 @@
           <a:p>
             <a:fld id="{FCDC2374-6BDA-4A72-89B3-8AEF50971151}" type="datetimeFigureOut">
               <a:rPr lang="en-US" smtClean="0"/>
-              <a:t>12/4/2017</a:t>
+              <a:t>12/8/2017</a:t>
             </a:fld>
             <a:endParaRPr lang="en-US"/>
           </a:p>
@@ -1644,7 +1644,7 @@
           <a:p>
             <a:fld id="{FCDC2374-6BDA-4A72-89B3-8AEF50971151}" type="datetimeFigureOut">
               <a:rPr lang="en-US" smtClean="0"/>
-              <a:t>12/4/2017</a:t>
+              <a:t>12/8/2017</a:t>
             </a:fld>
             <a:endParaRPr lang="en-US"/>
           </a:p>
@@ -2121,7 +2121,7 @@
           <a:p>
             <a:fld id="{FCDC2374-6BDA-4A72-89B3-8AEF50971151}" type="datetimeFigureOut">
               <a:rPr lang="en-US" smtClean="0"/>
-              <a:t>12/4/2017</a:t>
+              <a:t>12/8/2017</a:t>
             </a:fld>
             <a:endParaRPr lang="en-US"/>
           </a:p>
@@ -2239,7 +2239,7 @@
           <a:p>
             <a:fld id="{FCDC2374-6BDA-4A72-89B3-8AEF50971151}" type="datetimeFigureOut">
               <a:rPr lang="en-US" smtClean="0"/>
-              <a:t>12/4/2017</a:t>
+              <a:t>12/8/2017</a:t>
             </a:fld>
             <a:endParaRPr lang="en-US"/>
           </a:p>
@@ -2334,7 +2334,7 @@
           <a:p>
             <a:fld id="{FCDC2374-6BDA-4A72-89B3-8AEF50971151}" type="datetimeFigureOut">
               <a:rPr lang="en-US" smtClean="0"/>
-              <a:t>12/4/2017</a:t>
+              <a:t>12/8/2017</a:t>
             </a:fld>
             <a:endParaRPr lang="en-US"/>
           </a:p>
@@ -2680,7 +2680,7 @@
           <a:p>
             <a:fld id="{FCDC2374-6BDA-4A72-89B3-8AEF50971151}" type="datetimeFigureOut">
               <a:rPr lang="en-US" smtClean="0"/>
-              <a:t>12/4/2017</a:t>
+              <a:t>12/8/2017</a:t>
             </a:fld>
             <a:endParaRPr lang="en-US"/>
           </a:p>
@@ -3068,7 +3068,7 @@
           <a:p>
             <a:fld id="{FCDC2374-6BDA-4A72-89B3-8AEF50971151}" type="datetimeFigureOut">
               <a:rPr lang="en-US" smtClean="0"/>
-              <a:t>12/4/2017</a:t>
+              <a:t>12/8/2017</a:t>
             </a:fld>
             <a:endParaRPr lang="en-US"/>
           </a:p>
@@ -3346,7 +3346,7 @@
           <a:p>
             <a:fld id="{FCDC2374-6BDA-4A72-89B3-8AEF50971151}" type="datetimeFigureOut">
               <a:rPr lang="en-US" smtClean="0"/>
-              <a:t>12/4/2017</a:t>
+              <a:t>12/8/2017</a:t>
             </a:fld>
             <a:endParaRPr lang="en-US"/>
           </a:p>
@@ -4758,7 +4758,7 @@
         <p:spPr>
           <a:xfrm>
             <a:off x="1258139" y="1676655"/>
-            <a:ext cx="3360160" cy="1631216"/>
+            <a:ext cx="3360160" cy="1323439"/>
           </a:xfrm>
           <a:prstGeom prst="rect">
             <a:avLst/>
@@ -4773,7 +4773,7 @@
           <a:p>
             <a:r>
               <a:rPr lang="en-US" sz="2000" dirty="0"/>
-              <a:t>Adapter Pattern</a:t>
+              <a:t>Singleton Pattern</a:t>
             </a:r>
           </a:p>
           <a:p>
@@ -4782,30 +4782,18 @@
               <a:buChar char="•"/>
             </a:pPr>
             <a:r>
-              <a:rPr lang="en-US" sz="2000" dirty="0" err="1"/>
-              <a:t>EventView</a:t>
-            </a:r>
-            <a:r>
               <a:rPr lang="en-US" sz="2000" dirty="0"/>
-              <a:t> adapts </a:t>
-            </a:r>
-            <a:r>
-              <a:rPr lang="en-US" sz="2000" dirty="0" err="1"/>
-              <a:t>AppCompatActivity</a:t>
-            </a:r>
-            <a:r>
-              <a:rPr lang="en-US" sz="2000" dirty="0"/>
-              <a:t> to give the database a usable interface</a:t>
+              <a:t>Single instance of the database is used by views.</a:t>
             </a:r>
           </a:p>
         </p:txBody>
       </p:sp>
       <p:pic>
         <p:nvPicPr>
-          <p:cNvPr id="5" name="Picture 4">
+          <p:cNvPr id="6" name="Picture 5" descr="Screen Clipping">
             <a:extLst>
               <a:ext uri="{FF2B5EF4-FFF2-40B4-BE49-F238E27FC236}">
-                <a16:creationId xmlns:a16="http://schemas.microsoft.com/office/drawing/2014/main" id="{1A6833FA-5FB2-48C3-B250-5334515213D9}"/>
+                <a16:creationId xmlns:a16="http://schemas.microsoft.com/office/drawing/2014/main" id="{349DEB5E-9C92-4F6E-9B0E-AD2487E888BB}"/>
               </a:ext>
             </a:extLst>
           </p:cNvPr>
@@ -4815,15 +4803,93 @@
           <p:nvPr/>
         </p:nvPicPr>
         <p:blipFill>
-          <a:blip r:embed="rId2"/>
+          <a:blip r:embed="rId2">
+            <a:extLst>
+              <a:ext uri="{28A0092B-C50C-407E-A947-70E740481C1C}">
+                <a14:useLocalDpi xmlns:a14="http://schemas.microsoft.com/office/drawing/2010/main" val="0"/>
+              </a:ext>
+            </a:extLst>
+          </a:blip>
           <a:stretch>
             <a:fillRect/>
           </a:stretch>
         </p:blipFill>
         <p:spPr>
           <a:xfrm>
-            <a:off x="4723255" y="1433452"/>
-            <a:ext cx="6955602" cy="5316336"/>
+            <a:off x="5401700" y="1617839"/>
+            <a:ext cx="4344006" cy="752580"/>
+          </a:xfrm>
+          <a:prstGeom prst="rect">
+            <a:avLst/>
+          </a:prstGeom>
+        </p:spPr>
+      </p:pic>
+      <p:pic>
+        <p:nvPicPr>
+          <p:cNvPr id="8" name="Picture 7" descr="Screen Clipping">
+            <a:extLst>
+              <a:ext uri="{FF2B5EF4-FFF2-40B4-BE49-F238E27FC236}">
+                <a16:creationId xmlns:a16="http://schemas.microsoft.com/office/drawing/2014/main" id="{6D81B7DE-9C38-4D37-9D23-F0F906F03A9E}"/>
+              </a:ext>
+            </a:extLst>
+          </p:cNvPr>
+          <p:cNvPicPr>
+            <a:picLocks noChangeAspect="1"/>
+          </p:cNvPicPr>
+          <p:nvPr/>
+        </p:nvPicPr>
+        <p:blipFill>
+          <a:blip r:embed="rId3">
+            <a:extLst>
+              <a:ext uri="{28A0092B-C50C-407E-A947-70E740481C1C}">
+                <a14:useLocalDpi xmlns:a14="http://schemas.microsoft.com/office/drawing/2010/main" val="0"/>
+              </a:ext>
+            </a:extLst>
+          </a:blip>
+          <a:stretch>
+            <a:fillRect/>
+          </a:stretch>
+        </p:blipFill>
+        <p:spPr>
+          <a:xfrm>
+            <a:off x="5401700" y="2487957"/>
+            <a:ext cx="6125430" cy="1629002"/>
+          </a:xfrm>
+          <a:prstGeom prst="rect">
+            <a:avLst/>
+          </a:prstGeom>
+        </p:spPr>
+      </p:pic>
+      <p:pic>
+        <p:nvPicPr>
+          <p:cNvPr id="10" name="Picture 9" descr="Screen Clipping">
+            <a:extLst>
+              <a:ext uri="{FF2B5EF4-FFF2-40B4-BE49-F238E27FC236}">
+                <a16:creationId xmlns:a16="http://schemas.microsoft.com/office/drawing/2014/main" id="{AB21FB5B-F10A-49C9-BF5F-B7D03FE7EB3B}"/>
+              </a:ext>
+            </a:extLst>
+          </p:cNvPr>
+          <p:cNvPicPr>
+            <a:picLocks noChangeAspect="1"/>
+          </p:cNvPicPr>
+          <p:nvPr/>
+        </p:nvPicPr>
+        <p:blipFill>
+          <a:blip r:embed="rId4">
+            <a:extLst>
+              <a:ext uri="{28A0092B-C50C-407E-A947-70E740481C1C}">
+                <a14:useLocalDpi xmlns:a14="http://schemas.microsoft.com/office/drawing/2010/main" val="0"/>
+              </a:ext>
+            </a:extLst>
+          </a:blip>
+          <a:stretch>
+            <a:fillRect/>
+          </a:stretch>
+        </p:blipFill>
+        <p:spPr>
+          <a:xfrm>
+            <a:off x="5087331" y="5114829"/>
+            <a:ext cx="6754168" cy="1371791"/>
           </a:xfrm>
           <a:prstGeom prst="rect">
             <a:avLst/>
